--- a/full JavaScript/All css function.pptx
+++ b/full JavaScript/All css function.pptx
@@ -10583,7 +10583,25 @@
                 </a:solidFill>
                 <a:sym typeface="+mn-ea"/>
               </a:rPr>
-              <a:t>(value1, value2, ...)</a:t>
+              <a:t>(</a:t>
+            </a:r>
+            <a:r>
+              <a:rPr lang="en-US" sz="1400" b="1">
+                <a:solidFill>
+                  <a:schemeClr val="accent2"/>
+                </a:solidFill>
+                <a:sym typeface="+mn-ea"/>
+              </a:rPr>
+              <a:t>value1, value2, ...</a:t>
+            </a:r>
+            <a:r>
+              <a:rPr lang="en-US" sz="1400" b="1">
+                <a:solidFill>
+                  <a:srgbClr val="00B0F0"/>
+                </a:solidFill>
+                <a:sym typeface="+mn-ea"/>
+              </a:rPr>
+              <a:t>)</a:t>
             </a:r>
             <a:endParaRPr lang="en-US" sz="1400" b="1">
               <a:solidFill>
@@ -10745,7 +10763,25 @@
                 </a:solidFill>
                 <a:sym typeface="+mn-ea"/>
               </a:rPr>
-              <a:t>(value1, value2, ...)</a:t>
+              <a:t>(</a:t>
+            </a:r>
+            <a:r>
+              <a:rPr lang="en-US" sz="1400" b="1">
+                <a:solidFill>
+                  <a:schemeClr val="accent2"/>
+                </a:solidFill>
+                <a:sym typeface="+mn-ea"/>
+              </a:rPr>
+              <a:t>value1, value2, ...</a:t>
+            </a:r>
+            <a:r>
+              <a:rPr lang="en-US" sz="1400" b="1">
+                <a:solidFill>
+                  <a:srgbClr val="00B0F0"/>
+                </a:solidFill>
+                <a:sym typeface="+mn-ea"/>
+              </a:rPr>
+              <a:t>)</a:t>
             </a:r>
             <a:endParaRPr lang="en-US" sz="1400" b="1">
               <a:solidFill>
@@ -10907,7 +10943,25 @@
                 </a:solidFill>
                 <a:sym typeface="+mn-ea"/>
               </a:rPr>
-              <a:t>(minimum, value, maximum)</a:t>
+              <a:t>(</a:t>
+            </a:r>
+            <a:r>
+              <a:rPr lang="en-US" sz="1400" b="1">
+                <a:solidFill>
+                  <a:schemeClr val="accent2"/>
+                </a:solidFill>
+                <a:sym typeface="+mn-ea"/>
+              </a:rPr>
+              <a:t>minimum, value, maximum</a:t>
+            </a:r>
+            <a:r>
+              <a:rPr lang="en-US" sz="1400" b="1">
+                <a:solidFill>
+                  <a:srgbClr val="00B0F0"/>
+                </a:solidFill>
+                <a:sym typeface="+mn-ea"/>
+              </a:rPr>
+              <a:t>)</a:t>
             </a:r>
             <a:endParaRPr lang="en-US" sz="1400" b="1">
               <a:solidFill>
@@ -12439,8 +12493,8 @@
         </p:nvSpPr>
         <p:spPr>
           <a:xfrm>
-            <a:off x="3081020" y="810895"/>
-            <a:ext cx="2853690" cy="5998845"/>
+            <a:off x="3081020" y="271780"/>
+            <a:ext cx="2853690" cy="5060315"/>
           </a:xfrm>
           <a:prstGeom prst="rect">
             <a:avLst/>
@@ -12498,11 +12552,56 @@
             <a:r>
               <a:rPr lang="en-US" sz="1400" b="1">
                 <a:solidFill>
-                  <a:srgbClr val="00B0F0"/>
-                </a:solidFill>
-                <a:sym typeface="+mn-ea"/>
-              </a:rPr>
-              <a:t>Syntax: round(number)</a:t>
+                  <a:srgbClr val="FF0000"/>
+                </a:solidFill>
+                <a:sym typeface="+mn-ea"/>
+              </a:rPr>
+              <a:t>Syntax</a:t>
+            </a:r>
+            <a:r>
+              <a:rPr lang="en-US" sz="1400" b="1">
+                <a:solidFill>
+                  <a:srgbClr val="00B0F0"/>
+                </a:solidFill>
+                <a:sym typeface="+mn-ea"/>
+              </a:rPr>
+              <a:t>: </a:t>
+            </a:r>
+            <a:r>
+              <a:rPr lang="en-US" sz="1400" b="1">
+                <a:solidFill>
+                  <a:srgbClr val="E907E7"/>
+                </a:solidFill>
+                <a:sym typeface="+mn-ea"/>
+              </a:rPr>
+              <a:t>round</a:t>
+            </a:r>
+            <a:r>
+              <a:rPr lang="en-US" sz="1400" b="1">
+                <a:solidFill>
+                  <a:srgbClr val="00B0F0"/>
+                </a:solidFill>
+                <a:sym typeface="+mn-ea"/>
+              </a:rPr>
+              <a:t>(</a:t>
+            </a:r>
+            <a:r>
+              <a:rPr lang="en-US" sz="1400" b="1">
+                <a:solidFill>
+                  <a:schemeClr val="accent2"/>
+                </a:solidFill>
+                <a:sym typeface="+mn-ea"/>
+              </a:rPr>
+              <a:t>number</a:t>
+            </a:r>
+            <a:r>
+              <a:rPr lang="en-US" sz="1400" b="1">
+                <a:solidFill>
+                  <a:srgbClr val="00B0F0"/>
+                </a:solidFill>
+                <a:sym typeface="+mn-ea"/>
+              </a:rPr>
+              <a:t>)</a:t>
             </a:r>
             <a:endParaRPr lang="en-US" sz="1400" b="1">
               <a:solidFill>
@@ -12516,11 +12615,56 @@
             <a:r>
               <a:rPr lang="en-US" sz="1400" b="1">
                 <a:solidFill>
-                  <a:srgbClr val="00B0F0"/>
-                </a:solidFill>
-                <a:sym typeface="+mn-ea"/>
-              </a:rPr>
-              <a:t>Example: round(3.7)</a:t>
+                  <a:srgbClr val="FF0000"/>
+                </a:solidFill>
+                <a:sym typeface="+mn-ea"/>
+              </a:rPr>
+              <a:t>Example</a:t>
+            </a:r>
+            <a:r>
+              <a:rPr lang="en-US" sz="1400" b="1">
+                <a:solidFill>
+                  <a:srgbClr val="00B0F0"/>
+                </a:solidFill>
+                <a:sym typeface="+mn-ea"/>
+              </a:rPr>
+              <a:t>: </a:t>
+            </a:r>
+            <a:r>
+              <a:rPr lang="en-US" sz="1400" b="1">
+                <a:solidFill>
+                  <a:srgbClr val="E907E7"/>
+                </a:solidFill>
+                <a:sym typeface="+mn-ea"/>
+              </a:rPr>
+              <a:t>round</a:t>
+            </a:r>
+            <a:r>
+              <a:rPr lang="en-US" sz="1400" b="1">
+                <a:solidFill>
+                  <a:srgbClr val="00B0F0"/>
+                </a:solidFill>
+                <a:sym typeface="+mn-ea"/>
+              </a:rPr>
+              <a:t>(</a:t>
+            </a:r>
+            <a:r>
+              <a:rPr lang="en-US" sz="1400" b="1">
+                <a:solidFill>
+                  <a:schemeClr val="bg1"/>
+                </a:solidFill>
+                <a:sym typeface="+mn-ea"/>
+              </a:rPr>
+              <a:t>3.7</a:t>
+            </a:r>
+            <a:r>
+              <a:rPr lang="en-US" sz="1400" b="1">
+                <a:solidFill>
+                  <a:srgbClr val="00B0F0"/>
+                </a:solidFill>
+                <a:sym typeface="+mn-ea"/>
+              </a:rPr>
+              <a:t>)</a:t>
             </a:r>
             <a:endParaRPr lang="en-US" sz="1400" b="1">
               <a:solidFill>
@@ -12547,7 +12691,79 @@
                 </a:solidFill>
                 <a:sym typeface="+mn-ea"/>
               </a:rPr>
-              <a:t>mod() (Modulus):returns a modulus left over when the first parameter is divided by the second parameter,</a:t>
+              <a:t>mod() (Modulus):</a:t>
+            </a:r>
+            <a:r>
+              <a:rPr lang="en-US" sz="1400" b="1">
+                <a:solidFill>
+                  <a:srgbClr val="92D050"/>
+                </a:solidFill>
+                <a:sym typeface="+mn-ea"/>
+              </a:rPr>
+              <a:t>returns a modulus left over when the first parameter is divided by the second parameter,</a:t>
+            </a:r>
+            <a:endParaRPr lang="en-US" sz="1400" b="1">
+              <a:solidFill>
+                <a:srgbClr val="92D050"/>
+              </a:solidFill>
+              <a:sym typeface="+mn-ea"/>
+            </a:endParaRPr>
+          </a:p>
+          <a:p>
+            <a:pPr algn="l"/>
+            <a:r>
+              <a:rPr lang="en-US" sz="1400" b="1">
+                <a:solidFill>
+                  <a:srgbClr val="FF0000"/>
+                </a:solidFill>
+                <a:sym typeface="+mn-ea"/>
+              </a:rPr>
+              <a:t>Syntax</a:t>
+            </a:r>
+            <a:r>
+              <a:rPr lang="en-US" sz="1400" b="1">
+                <a:solidFill>
+                  <a:srgbClr val="00B0F0"/>
+                </a:solidFill>
+                <a:sym typeface="+mn-ea"/>
+              </a:rPr>
+              <a:t>: </a:t>
+            </a:r>
+            <a:r>
+              <a:rPr lang="en-US" sz="1400" b="1">
+                <a:solidFill>
+                  <a:srgbClr val="E907E7"/>
+                </a:solidFill>
+                <a:sym typeface="+mn-ea"/>
+              </a:rPr>
+              <a:t>mod</a:t>
+            </a:r>
+            <a:r>
+              <a:rPr lang="en-US" sz="1400" b="1">
+                <a:solidFill>
+                  <a:srgbClr val="00B0F0"/>
+                </a:solidFill>
+                <a:sym typeface="+mn-ea"/>
+              </a:rPr>
+              <a:t>(</a:t>
+            </a:r>
+            <a:r>
+              <a:rPr lang="en-US" sz="1400" b="1">
+                <a:solidFill>
+                  <a:schemeClr val="accent2"/>
+                </a:solidFill>
+                <a:sym typeface="+mn-ea"/>
+              </a:rPr>
+              <a:t>number, divisor</a:t>
+            </a:r>
+            <a:r>
+              <a:rPr lang="en-US" sz="1400" b="1">
+                <a:solidFill>
+                  <a:srgbClr val="00B0F0"/>
+                </a:solidFill>
+                <a:sym typeface="+mn-ea"/>
+              </a:rPr>
+              <a:t>)</a:t>
             </a:r>
             <a:endParaRPr lang="en-US" sz="1400" b="1">
               <a:solidFill>
@@ -12561,11 +12777,56 @@
             <a:r>
               <a:rPr lang="en-US" sz="1400" b="1">
                 <a:solidFill>
-                  <a:srgbClr val="00B0F0"/>
-                </a:solidFill>
-                <a:sym typeface="+mn-ea"/>
-              </a:rPr>
-              <a:t>Syntax: mod(number, divisor)</a:t>
+                  <a:srgbClr val="FF0000"/>
+                </a:solidFill>
+                <a:sym typeface="+mn-ea"/>
+              </a:rPr>
+              <a:t>Example</a:t>
+            </a:r>
+            <a:r>
+              <a:rPr lang="en-US" sz="1400" b="1">
+                <a:solidFill>
+                  <a:srgbClr val="00B0F0"/>
+                </a:solidFill>
+                <a:sym typeface="+mn-ea"/>
+              </a:rPr>
+              <a:t>: </a:t>
+            </a:r>
+            <a:r>
+              <a:rPr lang="en-US" sz="1400" b="1">
+                <a:solidFill>
+                  <a:srgbClr val="E907E7"/>
+                </a:solidFill>
+                <a:sym typeface="+mn-ea"/>
+              </a:rPr>
+              <a:t>mod</a:t>
+            </a:r>
+            <a:r>
+              <a:rPr lang="en-US" sz="1400" b="1">
+                <a:solidFill>
+                  <a:srgbClr val="00B0F0"/>
+                </a:solidFill>
+                <a:sym typeface="+mn-ea"/>
+              </a:rPr>
+              <a:t>(</a:t>
+            </a:r>
+            <a:r>
+              <a:rPr lang="en-US" sz="1400" b="1">
+                <a:solidFill>
+                  <a:schemeClr val="bg1"/>
+                </a:solidFill>
+                <a:sym typeface="+mn-ea"/>
+              </a:rPr>
+              <a:t>10, 3</a:t>
+            </a:r>
+            <a:r>
+              <a:rPr lang="en-US" sz="1400" b="1">
+                <a:solidFill>
+                  <a:srgbClr val="00B0F0"/>
+                </a:solidFill>
+                <a:sym typeface="+mn-ea"/>
+              </a:rPr>
+              <a:t>)</a:t>
             </a:r>
             <a:endParaRPr lang="en-US" sz="1400" b="1">
               <a:solidFill>
@@ -12579,11 +12840,65 @@
             <a:r>
               <a:rPr lang="en-US" sz="1400" b="1">
                 <a:solidFill>
-                  <a:srgbClr val="00B0F0"/>
-                </a:solidFill>
-                <a:sym typeface="+mn-ea"/>
-              </a:rPr>
-              <a:t>Example: mod(10, 3)</a:t>
+                  <a:schemeClr val="accent4"/>
+                </a:solidFill>
+                <a:sym typeface="+mn-ea"/>
+              </a:rPr>
+              <a:t>line-height</a:t>
+            </a:r>
+            <a:r>
+              <a:rPr lang="en-US" sz="1400" b="1">
+                <a:solidFill>
+                  <a:srgbClr val="00B0F0"/>
+                </a:solidFill>
+                <a:sym typeface="+mn-ea"/>
+              </a:rPr>
+              <a:t>: </a:t>
+            </a:r>
+            <a:r>
+              <a:rPr lang="en-US" sz="1400" b="1">
+                <a:solidFill>
+                  <a:srgbClr val="E907E7"/>
+                </a:solidFill>
+                <a:sym typeface="+mn-ea"/>
+              </a:rPr>
+              <a:t>mod</a:t>
+            </a:r>
+            <a:r>
+              <a:rPr lang="en-US" sz="1400" b="1">
+                <a:solidFill>
+                  <a:srgbClr val="00B0F0"/>
+                </a:solidFill>
+                <a:sym typeface="+mn-ea"/>
+              </a:rPr>
+              <a:t>(</a:t>
+            </a:r>
+            <a:r>
+              <a:rPr lang="en-US" sz="1400" b="1">
+                <a:solidFill>
+                  <a:schemeClr val="bg1"/>
+                </a:solidFill>
+                <a:sym typeface="+mn-ea"/>
+              </a:rPr>
+              <a:t>3.5, 2</a:t>
+            </a:r>
+            <a:r>
+              <a:rPr lang="en-US" sz="1400" b="1">
+                <a:solidFill>
+                  <a:srgbClr val="00B0F0"/>
+                </a:solidFill>
+                <a:sym typeface="+mn-ea"/>
+              </a:rPr>
+              <a:t>); </a:t>
+            </a:r>
+            <a:r>
+              <a:rPr lang="en-US" sz="1400" b="1">
+                <a:solidFill>
+                  <a:srgbClr val="92D050"/>
+                </a:solidFill>
+                <a:sym typeface="+mn-ea"/>
+              </a:rPr>
+              <a:t>/* 1.5 */</a:t>
             </a:r>
             <a:endParaRPr lang="en-US" sz="1400" b="1">
               <a:solidFill>
@@ -12597,12 +12912,75 @@
             <a:r>
               <a:rPr lang="en-US" sz="1400" b="1">
                 <a:solidFill>
-                  <a:srgbClr val="00B0F0"/>
-                </a:solidFill>
-                <a:sym typeface="+mn-ea"/>
-              </a:rPr>
-              <a:t>line-height: mod(3.5, 2); /* 1.5 */</a:t>
-            </a:r>
+                  <a:schemeClr val="accent4"/>
+                </a:solidFill>
+                <a:sym typeface="+mn-ea"/>
+              </a:rPr>
+              <a:t>margin</a:t>
+            </a:r>
+            <a:r>
+              <a:rPr lang="en-US" sz="1400" b="1">
+                <a:solidFill>
+                  <a:srgbClr val="00B0F0"/>
+                </a:solidFill>
+                <a:sym typeface="+mn-ea"/>
+              </a:rPr>
+              <a:t>: </a:t>
+            </a:r>
+            <a:r>
+              <a:rPr lang="en-US" sz="1400" b="1">
+                <a:solidFill>
+                  <a:srgbClr val="E907E7"/>
+                </a:solidFill>
+                <a:sym typeface="+mn-ea"/>
+              </a:rPr>
+              <a:t>mod</a:t>
+            </a:r>
+            <a:r>
+              <a:rPr lang="en-US" sz="1400" b="1">
+                <a:solidFill>
+                  <a:srgbClr val="00B0F0"/>
+                </a:solidFill>
+                <a:sym typeface="+mn-ea"/>
+              </a:rPr>
+              <a:t>(</a:t>
+            </a:r>
+            <a:r>
+              <a:rPr lang="en-US" sz="1400" b="1">
+                <a:solidFill>
+                  <a:schemeClr val="bg1"/>
+                </a:solidFill>
+                <a:sym typeface="+mn-ea"/>
+              </a:rPr>
+              <a:t>29vmin, 6vmin</a:t>
+            </a:r>
+            <a:r>
+              <a:rPr lang="en-US" sz="1400" b="1">
+                <a:solidFill>
+                  <a:srgbClr val="00B0F0"/>
+                </a:solidFill>
+                <a:sym typeface="+mn-ea"/>
+              </a:rPr>
+              <a:t>);</a:t>
+            </a:r>
+            <a:r>
+              <a:rPr lang="en-US" sz="1400" b="1">
+                <a:solidFill>
+                  <a:srgbClr val="92D050"/>
+                </a:solidFill>
+                <a:sym typeface="+mn-ea"/>
+              </a:rPr>
+              <a:t> /* 5vmin */</a:t>
+            </a:r>
+            <a:endParaRPr lang="en-US" sz="1400" b="1">
+              <a:solidFill>
+                <a:srgbClr val="92D050"/>
+              </a:solidFill>
+              <a:sym typeface="+mn-ea"/>
+            </a:endParaRPr>
+          </a:p>
+          <a:p>
+            <a:pPr algn="l"/>
             <a:endParaRPr lang="en-US" sz="1400" b="1">
               <a:solidFill>
                 <a:srgbClr val="00B0F0"/>
@@ -12619,7 +12997,79 @@
                 </a:solidFill>
                 <a:sym typeface="+mn-ea"/>
               </a:rPr>
-              <a:t>margin: mod(29vmin, 6vmin); /* 5vmin */</a:t>
+              <a:t>rem() (remainder):</a:t>
+            </a:r>
+            <a:r>
+              <a:rPr lang="en-US" sz="1400" b="1">
+                <a:solidFill>
+                  <a:srgbClr val="92D050"/>
+                </a:solidFill>
+                <a:sym typeface="+mn-ea"/>
+              </a:rPr>
+              <a:t>returns a remainder left over when the first parameter is divided by the second parameter</a:t>
+            </a:r>
+            <a:endParaRPr lang="en-US" sz="1400" b="1">
+              <a:solidFill>
+                <a:srgbClr val="92D050"/>
+              </a:solidFill>
+              <a:sym typeface="+mn-ea"/>
+            </a:endParaRPr>
+          </a:p>
+          <a:p>
+            <a:pPr algn="l"/>
+            <a:r>
+              <a:rPr lang="en-US" sz="1400" b="1">
+                <a:solidFill>
+                  <a:srgbClr val="FF0000"/>
+                </a:solidFill>
+                <a:sym typeface="+mn-ea"/>
+              </a:rPr>
+              <a:t>Syntax</a:t>
+            </a:r>
+            <a:r>
+              <a:rPr lang="en-US" sz="1400" b="1">
+                <a:solidFill>
+                  <a:srgbClr val="00B0F0"/>
+                </a:solidFill>
+                <a:sym typeface="+mn-ea"/>
+              </a:rPr>
+              <a:t>: </a:t>
+            </a:r>
+            <a:r>
+              <a:rPr lang="en-US" sz="1400" b="1">
+                <a:solidFill>
+                  <a:srgbClr val="E907E7"/>
+                </a:solidFill>
+                <a:sym typeface="+mn-ea"/>
+              </a:rPr>
+              <a:t>rem</a:t>
+            </a:r>
+            <a:r>
+              <a:rPr lang="en-US" sz="1400" b="1">
+                <a:solidFill>
+                  <a:srgbClr val="00B0F0"/>
+                </a:solidFill>
+                <a:sym typeface="+mn-ea"/>
+              </a:rPr>
+              <a:t>(</a:t>
+            </a:r>
+            <a:r>
+              <a:rPr lang="en-US" sz="1400" b="1">
+                <a:solidFill>
+                  <a:schemeClr val="accent2"/>
+                </a:solidFill>
+                <a:sym typeface="+mn-ea"/>
+              </a:rPr>
+              <a:t>number, divisor</a:t>
+            </a:r>
+            <a:r>
+              <a:rPr lang="en-US" sz="1400" b="1">
+                <a:solidFill>
+                  <a:srgbClr val="00B0F0"/>
+                </a:solidFill>
+                <a:sym typeface="+mn-ea"/>
+              </a:rPr>
+              <a:t>)</a:t>
             </a:r>
             <a:endParaRPr lang="en-US" sz="1400" b="1">
               <a:solidFill>
@@ -12630,6 +13080,24 @@
           </a:p>
           <a:p>
             <a:pPr algn="l"/>
+            <a:r>
+              <a:rPr lang="en-US" sz="1400" b="1">
+                <a:solidFill>
+                  <a:srgbClr val="FF0000"/>
+                </a:solidFill>
+                <a:sym typeface="+mn-ea"/>
+              </a:rPr>
+              <a:t>Example</a:t>
+            </a:r>
+            <a:r>
+              <a:rPr lang="en-US" sz="1400" b="1">
+                <a:solidFill>
+                  <a:srgbClr val="00B0F0"/>
+                </a:solidFill>
+                <a:sym typeface="+mn-ea"/>
+              </a:rPr>
+              <a:t>: </a:t>
+            </a:r>
             <a:endParaRPr lang="en-US" sz="1400" b="1">
               <a:solidFill>
                 <a:srgbClr val="00B0F0"/>
@@ -12642,11 +13110,65 @@
             <a:r>
               <a:rPr lang="en-US" sz="1400" b="1">
                 <a:solidFill>
-                  <a:srgbClr val="00B0F0"/>
-                </a:solidFill>
-                <a:sym typeface="+mn-ea"/>
-              </a:rPr>
-              <a:t>rem() (remainder):returns a remainder left over when the first parameter is divided by the second parameter</a:t>
+                  <a:schemeClr val="accent4"/>
+                </a:solidFill>
+                <a:sym typeface="+mn-ea"/>
+              </a:rPr>
+              <a:t>line-height</a:t>
+            </a:r>
+            <a:r>
+              <a:rPr lang="en-US" sz="1400" b="1">
+                <a:solidFill>
+                  <a:srgbClr val="00B0F0"/>
+                </a:solidFill>
+                <a:sym typeface="+mn-ea"/>
+              </a:rPr>
+              <a:t>: </a:t>
+            </a:r>
+            <a:r>
+              <a:rPr lang="en-US" sz="1400" b="1">
+                <a:solidFill>
+                  <a:srgbClr val="E907E7"/>
+                </a:solidFill>
+                <a:sym typeface="+mn-ea"/>
+              </a:rPr>
+              <a:t>rem</a:t>
+            </a:r>
+            <a:r>
+              <a:rPr lang="en-US" sz="1400" b="1">
+                <a:solidFill>
+                  <a:srgbClr val="00B0F0"/>
+                </a:solidFill>
+                <a:sym typeface="+mn-ea"/>
+              </a:rPr>
+              <a:t>(</a:t>
+            </a:r>
+            <a:r>
+              <a:rPr lang="en-US" sz="1400" b="1">
+                <a:solidFill>
+                  <a:schemeClr val="bg1"/>
+                </a:solidFill>
+                <a:sym typeface="+mn-ea"/>
+              </a:rPr>
+              <a:t>21, 2</a:t>
+            </a:r>
+            <a:r>
+              <a:rPr lang="en-US" sz="1400" b="1">
+                <a:solidFill>
+                  <a:srgbClr val="00B0F0"/>
+                </a:solidFill>
+                <a:sym typeface="+mn-ea"/>
+              </a:rPr>
+              <a:t>);</a:t>
+            </a:r>
+            <a:r>
+              <a:rPr lang="en-US" sz="1400" b="1">
+                <a:solidFill>
+                  <a:srgbClr val="92D050"/>
+                </a:solidFill>
+                <a:sym typeface="+mn-ea"/>
+              </a:rPr>
+              <a:t> /* 1 */</a:t>
             </a:r>
             <a:endParaRPr lang="en-US" sz="1400" b="1">
               <a:solidFill>
@@ -12660,11 +13182,65 @@
             <a:r>
               <a:rPr lang="en-US" sz="1400" b="1">
                 <a:solidFill>
-                  <a:srgbClr val="00B0F0"/>
-                </a:solidFill>
-                <a:sym typeface="+mn-ea"/>
-              </a:rPr>
-              <a:t>Syntax: rem(number, divisor)</a:t>
+                  <a:schemeClr val="accent4"/>
+                </a:solidFill>
+                <a:sym typeface="+mn-ea"/>
+              </a:rPr>
+              <a:t>margin</a:t>
+            </a:r>
+            <a:r>
+              <a:rPr lang="en-US" sz="1400" b="1">
+                <a:solidFill>
+                  <a:srgbClr val="00B0F0"/>
+                </a:solidFill>
+                <a:sym typeface="+mn-ea"/>
+              </a:rPr>
+              <a:t>: </a:t>
+            </a:r>
+            <a:r>
+              <a:rPr lang="en-US" sz="1400" b="1">
+                <a:solidFill>
+                  <a:srgbClr val="E907E7"/>
+                </a:solidFill>
+                <a:sym typeface="+mn-ea"/>
+              </a:rPr>
+              <a:t>rem</a:t>
+            </a:r>
+            <a:r>
+              <a:rPr lang="en-US" sz="1400" b="1">
+                <a:solidFill>
+                  <a:srgbClr val="00B0F0"/>
+                </a:solidFill>
+                <a:sym typeface="+mn-ea"/>
+              </a:rPr>
+              <a:t>(</a:t>
+            </a:r>
+            <a:r>
+              <a:rPr lang="en-US" sz="1400" b="1">
+                <a:solidFill>
+                  <a:schemeClr val="bg1"/>
+                </a:solidFill>
+                <a:sym typeface="+mn-ea"/>
+              </a:rPr>
+              <a:t>14%, 3%</a:t>
+            </a:r>
+            <a:r>
+              <a:rPr lang="en-US" sz="1400" b="1">
+                <a:solidFill>
+                  <a:srgbClr val="00B0F0"/>
+                </a:solidFill>
+                <a:sym typeface="+mn-ea"/>
+              </a:rPr>
+              <a:t>);</a:t>
+            </a:r>
+            <a:r>
+              <a:rPr lang="en-US" sz="1400" b="1">
+                <a:solidFill>
+                  <a:srgbClr val="92D050"/>
+                </a:solidFill>
+                <a:sym typeface="+mn-ea"/>
+              </a:rPr>
+              <a:t> /* 2% */</a:t>
             </a:r>
             <a:endParaRPr lang="en-US" sz="1400" b="1">
               <a:solidFill>
@@ -12678,11 +13254,65 @@
             <a:r>
               <a:rPr lang="en-US" sz="1400" b="1">
                 <a:solidFill>
-                  <a:srgbClr val="00B0F0"/>
-                </a:solidFill>
-                <a:sym typeface="+mn-ea"/>
-              </a:rPr>
-              <a:t>Example: </a:t>
+                  <a:schemeClr val="accent4"/>
+                </a:solidFill>
+                <a:sym typeface="+mn-ea"/>
+              </a:rPr>
+              <a:t>transition-duration</a:t>
+            </a:r>
+            <a:r>
+              <a:rPr lang="en-US" sz="1400" b="1">
+                <a:solidFill>
+                  <a:srgbClr val="00B0F0"/>
+                </a:solidFill>
+                <a:sym typeface="+mn-ea"/>
+              </a:rPr>
+              <a:t>: </a:t>
+            </a:r>
+            <a:r>
+              <a:rPr lang="en-US" sz="1400" b="1">
+                <a:solidFill>
+                  <a:srgbClr val="E907E7"/>
+                </a:solidFill>
+                <a:sym typeface="+mn-ea"/>
+              </a:rPr>
+              <a:t>rem</a:t>
+            </a:r>
+            <a:r>
+              <a:rPr lang="en-US" sz="1400" b="1">
+                <a:solidFill>
+                  <a:srgbClr val="00B0F0"/>
+                </a:solidFill>
+                <a:sym typeface="+mn-ea"/>
+              </a:rPr>
+              <a:t>(</a:t>
+            </a:r>
+            <a:r>
+              <a:rPr lang="en-US" sz="1400" b="1">
+                <a:solidFill>
+                  <a:schemeClr val="bg1"/>
+                </a:solidFill>
+                <a:sym typeface="+mn-ea"/>
+              </a:rPr>
+              <a:t>20s / 2, 3000ms * 2</a:t>
+            </a:r>
+            <a:r>
+              <a:rPr lang="en-US" sz="1400" b="1">
+                <a:solidFill>
+                  <a:srgbClr val="00B0F0"/>
+                </a:solidFill>
+                <a:sym typeface="+mn-ea"/>
+              </a:rPr>
+              <a:t>); </a:t>
+            </a:r>
+            <a:r>
+              <a:rPr lang="en-US" sz="1400" b="1">
+                <a:solidFill>
+                  <a:srgbClr val="92D050"/>
+                </a:solidFill>
+                <a:sym typeface="+mn-ea"/>
+              </a:rPr>
+              <a:t>/* 4s */</a:t>
             </a:r>
             <a:endParaRPr lang="en-US" sz="1400" b="1">
               <a:solidFill>
@@ -12691,67 +13321,61 @@
               <a:sym typeface="+mn-ea"/>
             </a:endParaRPr>
           </a:p>
-          <a:p>
-            <a:pPr algn="l"/>
-            <a:r>
-              <a:rPr lang="en-US" sz="1400" b="1">
-                <a:solidFill>
-                  <a:srgbClr val="00B0F0"/>
-                </a:solidFill>
-                <a:sym typeface="+mn-ea"/>
-              </a:rPr>
-              <a:t>line-height: rem(21, 2); /* 1 */</a:t>
-            </a:r>
-            <a:endParaRPr lang="en-US" sz="1400" b="1">
-              <a:solidFill>
-                <a:srgbClr val="00B0F0"/>
-              </a:solidFill>
-              <a:sym typeface="+mn-ea"/>
-            </a:endParaRPr>
-          </a:p>
-          <a:p>
-            <a:pPr algn="l"/>
-            <a:r>
-              <a:rPr lang="en-US" sz="1400" b="1">
-                <a:solidFill>
-                  <a:srgbClr val="00B0F0"/>
-                </a:solidFill>
-                <a:sym typeface="+mn-ea"/>
-              </a:rPr>
-              <a:t>margin: rem(14%, 3%); /* 2% */</a:t>
-            </a:r>
-            <a:endParaRPr lang="en-US" sz="1400" b="1">
-              <a:solidFill>
-                <a:srgbClr val="00B0F0"/>
-              </a:solidFill>
-              <a:sym typeface="+mn-ea"/>
-            </a:endParaRPr>
-          </a:p>
-          <a:p>
-            <a:pPr algn="l"/>
-            <a:r>
-              <a:rPr lang="en-US" sz="1400" b="1">
-                <a:solidFill>
-                  <a:srgbClr val="00B0F0"/>
-                </a:solidFill>
-                <a:sym typeface="+mn-ea"/>
-              </a:rPr>
-              <a:t>transition-duration: rem(20s / 2, 3000ms * 2); /* 4s */</a:t>
-            </a:r>
-            <a:endParaRPr lang="en-US" sz="1400" b="1">
-              <a:solidFill>
-                <a:srgbClr val="00B0F0"/>
-              </a:solidFill>
-              <a:sym typeface="+mn-ea"/>
-            </a:endParaRPr>
-          </a:p>
-          <a:p>
-            <a:pPr algn="l"/>
-            <a:endParaRPr lang="en-US" sz="1400" b="1">
-              <a:solidFill>
-                <a:srgbClr val="00B0F0"/>
-              </a:solidFill>
-              <a:sym typeface="+mn-ea"/>
+        </p:txBody>
+      </p:sp>
+      <p:sp>
+        <p:nvSpPr>
+          <p:cNvPr id="20" name="矩形 23"/>
+          <p:cNvSpPr/>
+          <p:nvPr/>
+        </p:nvSpPr>
+        <p:spPr>
+          <a:xfrm>
+            <a:off x="3081020" y="0"/>
+            <a:ext cx="2670175" cy="271780"/>
+          </a:xfrm>
+          <a:prstGeom prst="rect">
+            <a:avLst/>
+          </a:prstGeom>
+          <a:solidFill>
+            <a:schemeClr val="accent1"/>
+          </a:solidFill>
+          <a:ln>
+            <a:noFill/>
+          </a:ln>
+        </p:spPr>
+        <p:style>
+          <a:lnRef idx="2">
+            <a:schemeClr val="accent1">
+              <a:shade val="50000"/>
+            </a:schemeClr>
+          </a:lnRef>
+          <a:fillRef idx="1">
+            <a:schemeClr val="accent1"/>
+          </a:fillRef>
+          <a:effectRef idx="0">
+            <a:schemeClr val="accent1"/>
+          </a:effectRef>
+          <a:fontRef idx="minor">
+            <a:schemeClr val="lt1"/>
+          </a:fontRef>
+        </p:style>
+        <p:txBody>
+          <a:bodyPr rtlCol="0" anchor="ctr"/>
+          <a:p>
+            <a:pPr algn="ctr"/>
+            <a:r>
+              <a:rPr lang="en-US" altLang="zh-CN" b="1">
+                <a:solidFill>
+                  <a:schemeClr val="bg1"/>
+                </a:solidFill>
+              </a:rPr>
+              <a:t>stepped value Function</a:t>
+            </a:r>
+            <a:endParaRPr lang="en-US" altLang="zh-CN" b="1" dirty="0">
+              <a:solidFill>
+                <a:schemeClr val="bg1"/>
+              </a:solidFill>
             </a:endParaRPr>
           </a:p>
         </p:txBody>
